--- a/3. Семантика/3.pptx
+++ b/3. Семантика/3.pptx
@@ -304,7 +304,7 @@
           <a:p>
             <a:fld id="{1160EA64-D806-43AC-9DF2-F8C432F32B4C}" type="datetimeFigureOut">
               <a:rPr lang="en-US" dirty="0"/>
-              <a:t>9/30/2024</a:t>
+              <a:t>9/29/2025</a:t>
             </a:fld>
             <a:endParaRPr lang="en-US" dirty="0"/>
           </a:p>
@@ -470,7 +470,7 @@
           <a:p>
             <a:fld id="{E9F9C37B-1D36-470B-8223-D6C91242EC14}" type="datetimeFigureOut">
               <a:rPr lang="en-US" dirty="0"/>
-              <a:t>9/30/2024</a:t>
+              <a:t>9/29/2025</a:t>
             </a:fld>
             <a:endParaRPr lang="en-US" dirty="0"/>
           </a:p>
@@ -645,7 +645,7 @@
           <a:p>
             <a:fld id="{67C6F52A-A82B-47A2-A83A-8C4C91F2D59F}" type="datetimeFigureOut">
               <a:rPr lang="en-US" dirty="0"/>
-              <a:t>9/30/2024</a:t>
+              <a:t>9/29/2025</a:t>
             </a:fld>
             <a:endParaRPr lang="en-US" dirty="0"/>
           </a:p>
@@ -810,7 +810,7 @@
           <a:p>
             <a:fld id="{F070A7B3-6521-4DCA-87E5-044747A908C1}" type="datetimeFigureOut">
               <a:rPr lang="en-US" dirty="0"/>
-              <a:t>9/30/2024</a:t>
+              <a:t>9/29/2025</a:t>
             </a:fld>
             <a:endParaRPr lang="en-US" dirty="0"/>
           </a:p>
@@ -1074,7 +1074,7 @@
           <a:p>
             <a:fld id="{1160EA64-D806-43AC-9DF2-F8C432F32B4C}" type="datetimeFigureOut">
               <a:rPr lang="en-US" dirty="0"/>
-              <a:t>9/30/2024</a:t>
+              <a:t>9/29/2025</a:t>
             </a:fld>
             <a:endParaRPr lang="en-US" dirty="0"/>
           </a:p>
@@ -1302,7 +1302,7 @@
           <a:p>
             <a:fld id="{AB134690-1557-4C89-A502-4959FE7FAD70}" type="datetimeFigureOut">
               <a:rPr lang="en-US" dirty="0"/>
-              <a:t>9/30/2024</a:t>
+              <a:t>9/29/2025</a:t>
             </a:fld>
             <a:endParaRPr lang="en-US" dirty="0"/>
           </a:p>
@@ -1656,7 +1656,7 @@
           <a:p>
             <a:fld id="{4F7D4976-E339-4826-83B7-FBD03F55ECF8}" type="datetimeFigureOut">
               <a:rPr lang="en-US" dirty="0"/>
-              <a:t>9/30/2024</a:t>
+              <a:t>9/29/2025</a:t>
             </a:fld>
             <a:endParaRPr lang="en-US" dirty="0"/>
           </a:p>
@@ -1792,7 +1792,7 @@
           <a:p>
             <a:fld id="{E1037C31-9E7A-4F99-8774-A0E530DE1A42}" type="datetimeFigureOut">
               <a:rPr lang="en-US" dirty="0"/>
-              <a:t>9/30/2024</a:t>
+              <a:t>9/29/2025</a:t>
             </a:fld>
             <a:endParaRPr lang="en-US" dirty="0"/>
           </a:p>
@@ -1882,7 +1882,7 @@
           <a:p>
             <a:fld id="{C278504F-A551-4DE0-9316-4DCD1D8CC752}" type="datetimeFigureOut">
               <a:rPr lang="en-US" dirty="0"/>
-              <a:t>9/30/2024</a:t>
+              <a:t>9/29/2025</a:t>
             </a:fld>
             <a:endParaRPr lang="en-US" dirty="0"/>
           </a:p>
@@ -2234,7 +2234,7 @@
           <a:p>
             <a:fld id="{D1BE4249-C0D0-4B06-8692-E8BB871AF643}" type="datetimeFigureOut">
               <a:rPr lang="en-US" dirty="0"/>
-              <a:t>9/30/2024</a:t>
+              <a:t>9/29/2025</a:t>
             </a:fld>
             <a:endParaRPr lang="en-US" dirty="0"/>
           </a:p>
@@ -2586,7 +2586,7 @@
           <a:p>
             <a:fld id="{042B0DB6-F5C7-45FB-8CF3-31B45F9C2DAC}" type="datetimeFigureOut">
               <a:rPr lang="en-US" dirty="0"/>
-              <a:t>9/30/2024</a:t>
+              <a:t>9/29/2025</a:t>
             </a:fld>
             <a:endParaRPr lang="en-US" dirty="0"/>
           </a:p>
@@ -2823,7 +2823,7 @@
           <a:p>
             <a:fld id="{1160EA64-D806-43AC-9DF2-F8C432F32B4C}" type="datetimeFigureOut">
               <a:rPr lang="en-US" dirty="0"/>
-              <a:t>9/30/2024</a:t>
+              <a:t>9/29/2025</a:t>
             </a:fld>
             <a:endParaRPr lang="en-US" dirty="0"/>
           </a:p>
@@ -3309,6 +3309,22 @@
               </a:rPr>
               <a:t> Семантика</a:t>
             </a:r>
+            <a:r>
+              <a:rPr lang="en-US" dirty="0">
+                <a:latin typeface="Lato" panose="020F0502020204030203" pitchFamily="34" charset="0"/>
+                <a:ea typeface="Lato" panose="020F0502020204030203" pitchFamily="34" charset="0"/>
+                <a:cs typeface="Lato" panose="020F0502020204030203" pitchFamily="34" charset="0"/>
+              </a:rPr>
+              <a:t>.</a:t>
+            </a:r>
+            <a:r>
+              <a:rPr lang="en-US">
+                <a:latin typeface="Lato" panose="020F0502020204030203" pitchFamily="34" charset="0"/>
+                <a:ea typeface="Lato" panose="020F0502020204030203" pitchFamily="34" charset="0"/>
+                <a:cs typeface="Lato" panose="020F0502020204030203" pitchFamily="34" charset="0"/>
+              </a:rPr>
+              <a:t>svg</a:t>
+            </a:r>
             <a:endParaRPr lang="en-US" dirty="0">
               <a:latin typeface="Lato" panose="020F0502020204030203" pitchFamily="34" charset="0"/>
               <a:ea typeface="Lato" panose="020F0502020204030203" pitchFamily="34" charset="0"/>
